--- a/Lab6-Camara/Camera.pptx
+++ b/Lab6-Camara/Camera.pptx
@@ -8,6 +8,11 @@
     <p:sldId id="256" r:id="rId2"/>
     <p:sldId id="257" r:id="rId3"/>
     <p:sldId id="258" r:id="rId4"/>
+    <p:sldId id="259" r:id="rId5"/>
+    <p:sldId id="260" r:id="rId6"/>
+    <p:sldId id="261" r:id="rId7"/>
+    <p:sldId id="262" r:id="rId8"/>
+    <p:sldId id="263" r:id="rId9"/>
   </p:sldIdLst>
   <p:sldSz cx="9144000" cy="6858000" type="screen4x3"/>
   <p:notesSz cx="6858000" cy="9144000"/>
@@ -3724,7 +3729,11 @@
           <a:bodyPr/>
           <a:lstStyle/>
           <a:p>
-            <a:endParaRPr lang="en-IE"/>
+            <a:r>
+              <a:rPr lang="en-IE" dirty="0" smtClean="0"/>
+              <a:t>2D on XNA</a:t>
+            </a:r>
+            <a:endParaRPr lang="en-IE" dirty="0"/>
           </a:p>
         </p:txBody>
       </p:sp>
@@ -3782,7 +3791,7 @@
         </p:blipFill>
         <p:spPr>
           <a:xfrm>
-            <a:off x="2192072" y="685800"/>
+            <a:off x="827584" y="692696"/>
             <a:ext cx="5979055" cy="3657600"/>
           </a:xfrm>
         </p:spPr>
@@ -3890,6 +3899,1528 @@
     <p:extLst>
       <p:ext uri="{BB962C8B-B14F-4D97-AF65-F5344CB8AC3E}">
         <p14:creationId xmlns:p14="http://schemas.microsoft.com/office/powerpoint/2010/main" val="2944380171"/>
+      </p:ext>
+    </p:extLst>
+  </p:cSld>
+  <p:clrMapOvr>
+    <a:masterClrMapping/>
+  </p:clrMapOvr>
+</p:sld>
+</file>
+
+<file path=ppt/slides/slide4.xml><?xml version="1.0" encoding="utf-8"?>
+<p:sld xmlns:a="http://schemas.openxmlformats.org/drawingml/2006/main" xmlns:r="http://schemas.openxmlformats.org/officeDocument/2006/relationships" xmlns:p="http://schemas.openxmlformats.org/presentationml/2006/main">
+  <p:cSld>
+    <p:spTree>
+      <p:nvGrpSpPr>
+        <p:cNvPr id="1" name=""/>
+        <p:cNvGrpSpPr/>
+        <p:nvPr/>
+      </p:nvGrpSpPr>
+      <p:grpSpPr>
+        <a:xfrm>
+          <a:off x="0" y="0"/>
+          <a:ext cx="0" cy="0"/>
+          <a:chOff x="0" y="0"/>
+          <a:chExt cx="0" cy="0"/>
+        </a:xfrm>
+      </p:grpSpPr>
+      <p:sp>
+        <p:nvSpPr>
+          <p:cNvPr id="2" name="Content Placeholder 1"/>
+          <p:cNvSpPr>
+            <a:spLocks noGrp="1"/>
+          </p:cNvSpPr>
+          <p:nvPr>
+            <p:ph idx="1"/>
+          </p:nvPr>
+        </p:nvSpPr>
+        <p:spPr/>
+        <p:txBody>
+          <a:bodyPr/>
+          <a:lstStyle/>
+          <a:p>
+            <a:endParaRPr lang="en-IE"/>
+          </a:p>
+        </p:txBody>
+      </p:sp>
+      <p:sp>
+        <p:nvSpPr>
+          <p:cNvPr id="3" name="Title 2"/>
+          <p:cNvSpPr>
+            <a:spLocks noGrp="1"/>
+          </p:cNvSpPr>
+          <p:nvPr>
+            <p:ph type="title"/>
+          </p:nvPr>
+        </p:nvSpPr>
+        <p:spPr/>
+        <p:txBody>
+          <a:bodyPr/>
+          <a:lstStyle/>
+          <a:p>
+            <a:endParaRPr lang="en-IE"/>
+          </a:p>
+        </p:txBody>
+      </p:sp>
+      <p:sp>
+        <p:nvSpPr>
+          <p:cNvPr id="4" name="Rectangle 3"/>
+          <p:cNvSpPr/>
+          <p:nvPr/>
+        </p:nvSpPr>
+        <p:spPr>
+          <a:xfrm rot="21154544">
+            <a:off x="2195736" y="620688"/>
+            <a:ext cx="5760640" cy="4176464"/>
+          </a:xfrm>
+          <a:prstGeom prst="rect">
+            <a:avLst/>
+          </a:prstGeom>
+          <a:solidFill>
+            <a:srgbClr val="00B0F0"/>
+          </a:solidFill>
+        </p:spPr>
+        <p:style>
+          <a:lnRef idx="2">
+            <a:schemeClr val="accent1">
+              <a:shade val="50000"/>
+            </a:schemeClr>
+          </a:lnRef>
+          <a:fillRef idx="1">
+            <a:schemeClr val="accent1"/>
+          </a:fillRef>
+          <a:effectRef idx="0">
+            <a:schemeClr val="accent1"/>
+          </a:effectRef>
+          <a:fontRef idx="minor">
+            <a:schemeClr val="lt1"/>
+          </a:fontRef>
+        </p:style>
+        <p:txBody>
+          <a:bodyPr rtlCol="0" anchor="ctr"/>
+          <a:lstStyle/>
+          <a:p>
+            <a:pPr algn="ctr"/>
+            <a:r>
+              <a:rPr lang="en-IE" dirty="0" smtClean="0"/>
+              <a:t>World</a:t>
+            </a:r>
+            <a:endParaRPr lang="en-IE" dirty="0"/>
+          </a:p>
+        </p:txBody>
+      </p:sp>
+      <p:sp>
+        <p:nvSpPr>
+          <p:cNvPr id="5" name="Rectangle 4"/>
+          <p:cNvSpPr/>
+          <p:nvPr/>
+        </p:nvSpPr>
+        <p:spPr>
+          <a:xfrm>
+            <a:off x="1043608" y="1844824"/>
+            <a:ext cx="2160240" cy="1368152"/>
+          </a:xfrm>
+          <a:prstGeom prst="rect">
+            <a:avLst/>
+          </a:prstGeom>
+          <a:solidFill>
+            <a:schemeClr val="accent1">
+              <a:alpha val="31000"/>
+            </a:schemeClr>
+          </a:solidFill>
+        </p:spPr>
+        <p:style>
+          <a:lnRef idx="2">
+            <a:schemeClr val="accent1">
+              <a:shade val="50000"/>
+            </a:schemeClr>
+          </a:lnRef>
+          <a:fillRef idx="1">
+            <a:schemeClr val="accent1"/>
+          </a:fillRef>
+          <a:effectRef idx="0">
+            <a:schemeClr val="accent1"/>
+          </a:effectRef>
+          <a:fontRef idx="minor">
+            <a:schemeClr val="lt1"/>
+          </a:fontRef>
+        </p:style>
+        <p:txBody>
+          <a:bodyPr rtlCol="0" anchor="ctr"/>
+          <a:lstStyle/>
+          <a:p>
+            <a:pPr algn="ctr"/>
+            <a:r>
+              <a:rPr lang="en-IE" dirty="0" smtClean="0"/>
+              <a:t>Screen</a:t>
+            </a:r>
+            <a:endParaRPr lang="en-IE" dirty="0"/>
+          </a:p>
+        </p:txBody>
+      </p:sp>
+      <p:sp>
+        <p:nvSpPr>
+          <p:cNvPr id="6" name="TextBox 5"/>
+          <p:cNvSpPr txBox="1"/>
+          <p:nvPr/>
+        </p:nvSpPr>
+        <p:spPr>
+          <a:xfrm>
+            <a:off x="855146" y="1556792"/>
+            <a:ext cx="627095" cy="369332"/>
+          </a:xfrm>
+          <a:prstGeom prst="rect">
+            <a:avLst/>
+          </a:prstGeom>
+          <a:noFill/>
+        </p:spPr>
+        <p:txBody>
+          <a:bodyPr wrap="none" rtlCol="0">
+            <a:spAutoFit/>
+          </a:bodyPr>
+          <a:lstStyle/>
+          <a:p>
+            <a:r>
+              <a:rPr lang="en-IE" dirty="0" smtClean="0"/>
+              <a:t>(0,0)</a:t>
+            </a:r>
+            <a:endParaRPr lang="en-IE" dirty="0"/>
+          </a:p>
+        </p:txBody>
+      </p:sp>
+      <p:sp>
+        <p:nvSpPr>
+          <p:cNvPr id="7" name="TextBox 6"/>
+          <p:cNvSpPr txBox="1"/>
+          <p:nvPr/>
+        </p:nvSpPr>
+        <p:spPr>
+          <a:xfrm>
+            <a:off x="1817440" y="836712"/>
+            <a:ext cx="627095" cy="369332"/>
+          </a:xfrm>
+          <a:prstGeom prst="rect">
+            <a:avLst/>
+          </a:prstGeom>
+          <a:noFill/>
+        </p:spPr>
+        <p:txBody>
+          <a:bodyPr wrap="none" rtlCol="0">
+            <a:spAutoFit/>
+          </a:bodyPr>
+          <a:lstStyle/>
+          <a:p>
+            <a:r>
+              <a:rPr lang="en-IE" dirty="0" smtClean="0"/>
+              <a:t>(0,0)</a:t>
+            </a:r>
+            <a:endParaRPr lang="en-IE" dirty="0"/>
+          </a:p>
+        </p:txBody>
+      </p:sp>
+      <p:sp>
+        <p:nvSpPr>
+          <p:cNvPr id="8" name="5-Point Star 7"/>
+          <p:cNvSpPr/>
+          <p:nvPr/>
+        </p:nvSpPr>
+        <p:spPr>
+          <a:xfrm>
+            <a:off x="3419128" y="2204864"/>
+            <a:ext cx="288032" cy="288032"/>
+          </a:xfrm>
+          <a:prstGeom prst="star5">
+            <a:avLst/>
+          </a:prstGeom>
+          <a:solidFill>
+            <a:srgbClr val="FFFF00"/>
+          </a:solidFill>
+        </p:spPr>
+        <p:style>
+          <a:lnRef idx="2">
+            <a:schemeClr val="accent1">
+              <a:shade val="50000"/>
+            </a:schemeClr>
+          </a:lnRef>
+          <a:fillRef idx="1">
+            <a:schemeClr val="accent1"/>
+          </a:fillRef>
+          <a:effectRef idx="0">
+            <a:schemeClr val="accent1"/>
+          </a:effectRef>
+          <a:fontRef idx="minor">
+            <a:schemeClr val="lt1"/>
+          </a:fontRef>
+        </p:style>
+        <p:txBody>
+          <a:bodyPr rtlCol="0" anchor="ctr"/>
+          <a:lstStyle/>
+          <a:p>
+            <a:pPr algn="ctr"/>
+            <a:endParaRPr lang="en-IE"/>
+          </a:p>
+        </p:txBody>
+      </p:sp>
+      <p:sp>
+        <p:nvSpPr>
+          <p:cNvPr id="9" name="5-Point Star 8"/>
+          <p:cNvSpPr/>
+          <p:nvPr/>
+        </p:nvSpPr>
+        <p:spPr>
+          <a:xfrm>
+            <a:off x="3563144" y="2822931"/>
+            <a:ext cx="144016" cy="144016"/>
+          </a:xfrm>
+          <a:prstGeom prst="star5">
+            <a:avLst/>
+          </a:prstGeom>
+          <a:solidFill>
+            <a:srgbClr val="FF0000"/>
+          </a:solidFill>
+        </p:spPr>
+        <p:style>
+          <a:lnRef idx="2">
+            <a:schemeClr val="accent1">
+              <a:shade val="50000"/>
+            </a:schemeClr>
+          </a:lnRef>
+          <a:fillRef idx="1">
+            <a:schemeClr val="accent1"/>
+          </a:fillRef>
+          <a:effectRef idx="0">
+            <a:schemeClr val="accent1"/>
+          </a:effectRef>
+          <a:fontRef idx="minor">
+            <a:schemeClr val="lt1"/>
+          </a:fontRef>
+        </p:style>
+        <p:txBody>
+          <a:bodyPr rtlCol="0" anchor="ctr"/>
+          <a:lstStyle/>
+          <a:p>
+            <a:pPr algn="ctr"/>
+            <a:endParaRPr lang="en-IE"/>
+          </a:p>
+        </p:txBody>
+      </p:sp>
+    </p:spTree>
+    <p:extLst>
+      <p:ext uri="{BB962C8B-B14F-4D97-AF65-F5344CB8AC3E}">
+        <p14:creationId xmlns:p14="http://schemas.microsoft.com/office/powerpoint/2010/main" val="202030967"/>
+      </p:ext>
+    </p:extLst>
+  </p:cSld>
+  <p:clrMapOvr>
+    <a:masterClrMapping/>
+  </p:clrMapOvr>
+</p:sld>
+</file>
+
+<file path=ppt/slides/slide5.xml><?xml version="1.0" encoding="utf-8"?>
+<p:sld xmlns:a="http://schemas.openxmlformats.org/drawingml/2006/main" xmlns:r="http://schemas.openxmlformats.org/officeDocument/2006/relationships" xmlns:p="http://schemas.openxmlformats.org/presentationml/2006/main">
+  <p:cSld>
+    <p:spTree>
+      <p:nvGrpSpPr>
+        <p:cNvPr id="1" name=""/>
+        <p:cNvGrpSpPr/>
+        <p:nvPr/>
+      </p:nvGrpSpPr>
+      <p:grpSpPr>
+        <a:xfrm>
+          <a:off x="0" y="0"/>
+          <a:ext cx="0" cy="0"/>
+          <a:chOff x="0" y="0"/>
+          <a:chExt cx="0" cy="0"/>
+        </a:xfrm>
+      </p:grpSpPr>
+      <p:sp>
+        <p:nvSpPr>
+          <p:cNvPr id="3" name="Title 2"/>
+          <p:cNvSpPr>
+            <a:spLocks noGrp="1"/>
+          </p:cNvSpPr>
+          <p:nvPr>
+            <p:ph type="title"/>
+          </p:nvPr>
+        </p:nvSpPr>
+        <p:spPr/>
+        <p:txBody>
+          <a:bodyPr/>
+          <a:lstStyle/>
+          <a:p>
+            <a:r>
+              <a:rPr lang="en-IE" dirty="0" smtClean="0"/>
+              <a:t>1</a:t>
+            </a:r>
+            <a:r>
+              <a:rPr lang="en-IE" baseline="30000" dirty="0" smtClean="0"/>
+              <a:t>st</a:t>
+            </a:r>
+            <a:r>
+              <a:rPr lang="en-IE" dirty="0" smtClean="0"/>
+              <a:t> Translation</a:t>
+            </a:r>
+            <a:endParaRPr lang="en-IE" dirty="0"/>
+          </a:p>
+        </p:txBody>
+      </p:sp>
+      <p:sp>
+        <p:nvSpPr>
+          <p:cNvPr id="4" name="Rectangle 3"/>
+          <p:cNvSpPr/>
+          <p:nvPr/>
+        </p:nvSpPr>
+        <p:spPr>
+          <a:xfrm rot="21154544">
+            <a:off x="1662018" y="410028"/>
+            <a:ext cx="5760640" cy="4176464"/>
+          </a:xfrm>
+          <a:prstGeom prst="rect">
+            <a:avLst/>
+          </a:prstGeom>
+          <a:solidFill>
+            <a:srgbClr val="00B0F0"/>
+          </a:solidFill>
+        </p:spPr>
+        <p:style>
+          <a:lnRef idx="2">
+            <a:schemeClr val="accent1">
+              <a:shade val="50000"/>
+            </a:schemeClr>
+          </a:lnRef>
+          <a:fillRef idx="1">
+            <a:schemeClr val="accent1"/>
+          </a:fillRef>
+          <a:effectRef idx="0">
+            <a:schemeClr val="accent1"/>
+          </a:effectRef>
+          <a:fontRef idx="minor">
+            <a:schemeClr val="lt1"/>
+          </a:fontRef>
+        </p:style>
+        <p:txBody>
+          <a:bodyPr rtlCol="0" anchor="ctr"/>
+          <a:lstStyle/>
+          <a:p>
+            <a:pPr algn="ctr"/>
+            <a:r>
+              <a:rPr lang="en-IE" dirty="0" smtClean="0"/>
+              <a:t>World</a:t>
+            </a:r>
+            <a:endParaRPr lang="en-IE" dirty="0"/>
+          </a:p>
+        </p:txBody>
+      </p:sp>
+      <p:sp>
+        <p:nvSpPr>
+          <p:cNvPr id="5" name="Rectangle 4"/>
+          <p:cNvSpPr/>
+          <p:nvPr/>
+        </p:nvSpPr>
+        <p:spPr>
+          <a:xfrm>
+            <a:off x="2861474" y="1999568"/>
+            <a:ext cx="2160240" cy="1368152"/>
+          </a:xfrm>
+          <a:prstGeom prst="rect">
+            <a:avLst/>
+          </a:prstGeom>
+          <a:solidFill>
+            <a:schemeClr val="accent1">
+              <a:alpha val="31000"/>
+            </a:schemeClr>
+          </a:solidFill>
+        </p:spPr>
+        <p:style>
+          <a:lnRef idx="2">
+            <a:schemeClr val="accent1">
+              <a:shade val="50000"/>
+            </a:schemeClr>
+          </a:lnRef>
+          <a:fillRef idx="1">
+            <a:schemeClr val="accent1"/>
+          </a:fillRef>
+          <a:effectRef idx="0">
+            <a:schemeClr val="accent1"/>
+          </a:effectRef>
+          <a:fontRef idx="minor">
+            <a:schemeClr val="lt1"/>
+          </a:fontRef>
+        </p:style>
+        <p:txBody>
+          <a:bodyPr rtlCol="0" anchor="ctr"/>
+          <a:lstStyle/>
+          <a:p>
+            <a:pPr algn="ctr"/>
+            <a:r>
+              <a:rPr lang="en-IE" dirty="0" smtClean="0"/>
+              <a:t>Screen</a:t>
+            </a:r>
+            <a:endParaRPr lang="en-IE" dirty="0"/>
+          </a:p>
+        </p:txBody>
+      </p:sp>
+      <p:sp>
+        <p:nvSpPr>
+          <p:cNvPr id="6" name="TextBox 5"/>
+          <p:cNvSpPr txBox="1"/>
+          <p:nvPr/>
+        </p:nvSpPr>
+        <p:spPr>
+          <a:xfrm>
+            <a:off x="2673012" y="1711536"/>
+            <a:ext cx="627095" cy="369332"/>
+          </a:xfrm>
+          <a:prstGeom prst="rect">
+            <a:avLst/>
+          </a:prstGeom>
+          <a:noFill/>
+        </p:spPr>
+        <p:txBody>
+          <a:bodyPr wrap="none" rtlCol="0">
+            <a:spAutoFit/>
+          </a:bodyPr>
+          <a:lstStyle/>
+          <a:p>
+            <a:r>
+              <a:rPr lang="en-IE" dirty="0" smtClean="0"/>
+              <a:t>(0,0)</a:t>
+            </a:r>
+            <a:endParaRPr lang="en-IE" dirty="0"/>
+          </a:p>
+        </p:txBody>
+      </p:sp>
+      <p:sp>
+        <p:nvSpPr>
+          <p:cNvPr id="7" name="TextBox 6"/>
+          <p:cNvSpPr txBox="1"/>
+          <p:nvPr/>
+        </p:nvSpPr>
+        <p:spPr>
+          <a:xfrm>
+            <a:off x="1283722" y="626052"/>
+            <a:ext cx="627095" cy="369332"/>
+          </a:xfrm>
+          <a:prstGeom prst="rect">
+            <a:avLst/>
+          </a:prstGeom>
+          <a:noFill/>
+        </p:spPr>
+        <p:txBody>
+          <a:bodyPr wrap="none" rtlCol="0">
+            <a:spAutoFit/>
+          </a:bodyPr>
+          <a:lstStyle/>
+          <a:p>
+            <a:r>
+              <a:rPr lang="en-IE" dirty="0" smtClean="0"/>
+              <a:t>(0,0)</a:t>
+            </a:r>
+            <a:endParaRPr lang="en-IE" dirty="0"/>
+          </a:p>
+        </p:txBody>
+      </p:sp>
+      <p:sp>
+        <p:nvSpPr>
+          <p:cNvPr id="8" name="5-Point Star 7"/>
+          <p:cNvSpPr/>
+          <p:nvPr/>
+        </p:nvSpPr>
+        <p:spPr>
+          <a:xfrm>
+            <a:off x="2875538" y="1994204"/>
+            <a:ext cx="288032" cy="288032"/>
+          </a:xfrm>
+          <a:prstGeom prst="star5">
+            <a:avLst/>
+          </a:prstGeom>
+          <a:solidFill>
+            <a:srgbClr val="FFFF00"/>
+          </a:solidFill>
+        </p:spPr>
+        <p:style>
+          <a:lnRef idx="2">
+            <a:schemeClr val="accent1">
+              <a:shade val="50000"/>
+            </a:schemeClr>
+          </a:lnRef>
+          <a:fillRef idx="1">
+            <a:schemeClr val="accent1"/>
+          </a:fillRef>
+          <a:effectRef idx="0">
+            <a:schemeClr val="accent1"/>
+          </a:effectRef>
+          <a:fontRef idx="minor">
+            <a:schemeClr val="lt1"/>
+          </a:fontRef>
+        </p:style>
+        <p:txBody>
+          <a:bodyPr rtlCol="0" anchor="ctr"/>
+          <a:lstStyle/>
+          <a:p>
+            <a:pPr algn="ctr"/>
+            <a:endParaRPr lang="en-IE"/>
+          </a:p>
+        </p:txBody>
+      </p:sp>
+      <p:sp>
+        <p:nvSpPr>
+          <p:cNvPr id="9" name="5-Point Star 8"/>
+          <p:cNvSpPr/>
+          <p:nvPr/>
+        </p:nvSpPr>
+        <p:spPr>
+          <a:xfrm>
+            <a:off x="3091562" y="2678915"/>
+            <a:ext cx="144016" cy="144016"/>
+          </a:xfrm>
+          <a:prstGeom prst="star5">
+            <a:avLst/>
+          </a:prstGeom>
+          <a:solidFill>
+            <a:srgbClr val="FF0000"/>
+          </a:solidFill>
+        </p:spPr>
+        <p:style>
+          <a:lnRef idx="2">
+            <a:schemeClr val="accent1">
+              <a:shade val="50000"/>
+            </a:schemeClr>
+          </a:lnRef>
+          <a:fillRef idx="1">
+            <a:schemeClr val="accent1"/>
+          </a:fillRef>
+          <a:effectRef idx="0">
+            <a:schemeClr val="accent1"/>
+          </a:effectRef>
+          <a:fontRef idx="minor">
+            <a:schemeClr val="lt1"/>
+          </a:fontRef>
+        </p:style>
+        <p:txBody>
+          <a:bodyPr rtlCol="0" anchor="ctr"/>
+          <a:lstStyle/>
+          <a:p>
+            <a:pPr algn="ctr"/>
+            <a:endParaRPr lang="en-IE"/>
+          </a:p>
+        </p:txBody>
+      </p:sp>
+    </p:spTree>
+    <p:extLst>
+      <p:ext uri="{BB962C8B-B14F-4D97-AF65-F5344CB8AC3E}">
+        <p14:creationId xmlns:p14="http://schemas.microsoft.com/office/powerpoint/2010/main" val="1682879053"/>
+      </p:ext>
+    </p:extLst>
+  </p:cSld>
+  <p:clrMapOvr>
+    <a:masterClrMapping/>
+  </p:clrMapOvr>
+</p:sld>
+</file>
+
+<file path=ppt/slides/slide6.xml><?xml version="1.0" encoding="utf-8"?>
+<p:sld xmlns:a="http://schemas.openxmlformats.org/drawingml/2006/main" xmlns:r="http://schemas.openxmlformats.org/officeDocument/2006/relationships" xmlns:p="http://schemas.openxmlformats.org/presentationml/2006/main">
+  <p:cSld>
+    <p:spTree>
+      <p:nvGrpSpPr>
+        <p:cNvPr id="1" name=""/>
+        <p:cNvGrpSpPr/>
+        <p:nvPr/>
+      </p:nvGrpSpPr>
+      <p:grpSpPr>
+        <a:xfrm>
+          <a:off x="0" y="0"/>
+          <a:ext cx="0" cy="0"/>
+          <a:chOff x="0" y="0"/>
+          <a:chExt cx="0" cy="0"/>
+        </a:xfrm>
+      </p:grpSpPr>
+      <p:sp>
+        <p:nvSpPr>
+          <p:cNvPr id="3" name="Title 2"/>
+          <p:cNvSpPr>
+            <a:spLocks noGrp="1"/>
+          </p:cNvSpPr>
+          <p:nvPr>
+            <p:ph type="title"/>
+          </p:nvPr>
+        </p:nvSpPr>
+        <p:spPr/>
+        <p:txBody>
+          <a:bodyPr/>
+          <a:lstStyle/>
+          <a:p>
+            <a:r>
+              <a:rPr lang="en-IE" dirty="0" smtClean="0"/>
+              <a:t>2</a:t>
+            </a:r>
+            <a:r>
+              <a:rPr lang="en-IE" baseline="30000" dirty="0" smtClean="0"/>
+              <a:t>nd</a:t>
+            </a:r>
+            <a:r>
+              <a:rPr lang="en-IE" dirty="0" smtClean="0"/>
+              <a:t>  Rotation</a:t>
+            </a:r>
+            <a:endParaRPr lang="en-IE" dirty="0"/>
+          </a:p>
+        </p:txBody>
+      </p:sp>
+      <p:sp>
+        <p:nvSpPr>
+          <p:cNvPr id="4" name="Rectangle 3"/>
+          <p:cNvSpPr/>
+          <p:nvPr/>
+        </p:nvSpPr>
+        <p:spPr>
+          <a:xfrm>
+            <a:off x="1662018" y="410028"/>
+            <a:ext cx="5760640" cy="4176464"/>
+          </a:xfrm>
+          <a:prstGeom prst="rect">
+            <a:avLst/>
+          </a:prstGeom>
+          <a:solidFill>
+            <a:srgbClr val="00B0F0"/>
+          </a:solidFill>
+        </p:spPr>
+        <p:style>
+          <a:lnRef idx="2">
+            <a:schemeClr val="accent1">
+              <a:shade val="50000"/>
+            </a:schemeClr>
+          </a:lnRef>
+          <a:fillRef idx="1">
+            <a:schemeClr val="accent1"/>
+          </a:fillRef>
+          <a:effectRef idx="0">
+            <a:schemeClr val="accent1"/>
+          </a:effectRef>
+          <a:fontRef idx="minor">
+            <a:schemeClr val="lt1"/>
+          </a:fontRef>
+        </p:style>
+        <p:txBody>
+          <a:bodyPr rtlCol="0" anchor="ctr"/>
+          <a:lstStyle/>
+          <a:p>
+            <a:pPr algn="ctr"/>
+            <a:r>
+              <a:rPr lang="en-IE" dirty="0" smtClean="0"/>
+              <a:t>World</a:t>
+            </a:r>
+            <a:endParaRPr lang="en-IE" dirty="0"/>
+          </a:p>
+        </p:txBody>
+      </p:sp>
+      <p:sp>
+        <p:nvSpPr>
+          <p:cNvPr id="5" name="Rectangle 4"/>
+          <p:cNvSpPr/>
+          <p:nvPr/>
+        </p:nvSpPr>
+        <p:spPr>
+          <a:xfrm>
+            <a:off x="2861474" y="1999568"/>
+            <a:ext cx="2160240" cy="1368152"/>
+          </a:xfrm>
+          <a:prstGeom prst="rect">
+            <a:avLst/>
+          </a:prstGeom>
+          <a:solidFill>
+            <a:schemeClr val="accent1">
+              <a:alpha val="31000"/>
+            </a:schemeClr>
+          </a:solidFill>
+        </p:spPr>
+        <p:style>
+          <a:lnRef idx="2">
+            <a:schemeClr val="accent1">
+              <a:shade val="50000"/>
+            </a:schemeClr>
+          </a:lnRef>
+          <a:fillRef idx="1">
+            <a:schemeClr val="accent1"/>
+          </a:fillRef>
+          <a:effectRef idx="0">
+            <a:schemeClr val="accent1"/>
+          </a:effectRef>
+          <a:fontRef idx="minor">
+            <a:schemeClr val="lt1"/>
+          </a:fontRef>
+        </p:style>
+        <p:txBody>
+          <a:bodyPr rtlCol="0" anchor="ctr"/>
+          <a:lstStyle/>
+          <a:p>
+            <a:pPr algn="ctr"/>
+            <a:r>
+              <a:rPr lang="en-IE" dirty="0" smtClean="0"/>
+              <a:t>Screen</a:t>
+            </a:r>
+            <a:endParaRPr lang="en-IE" dirty="0"/>
+          </a:p>
+        </p:txBody>
+      </p:sp>
+      <p:sp>
+        <p:nvSpPr>
+          <p:cNvPr id="6" name="TextBox 5"/>
+          <p:cNvSpPr txBox="1"/>
+          <p:nvPr/>
+        </p:nvSpPr>
+        <p:spPr>
+          <a:xfrm>
+            <a:off x="2673012" y="1711536"/>
+            <a:ext cx="627095" cy="369332"/>
+          </a:xfrm>
+          <a:prstGeom prst="rect">
+            <a:avLst/>
+          </a:prstGeom>
+          <a:noFill/>
+        </p:spPr>
+        <p:txBody>
+          <a:bodyPr wrap="none" rtlCol="0">
+            <a:spAutoFit/>
+          </a:bodyPr>
+          <a:lstStyle/>
+          <a:p>
+            <a:r>
+              <a:rPr lang="en-IE" dirty="0" smtClean="0"/>
+              <a:t>(0,0)</a:t>
+            </a:r>
+            <a:endParaRPr lang="en-IE" dirty="0"/>
+          </a:p>
+        </p:txBody>
+      </p:sp>
+      <p:sp>
+        <p:nvSpPr>
+          <p:cNvPr id="7" name="TextBox 6"/>
+          <p:cNvSpPr txBox="1"/>
+          <p:nvPr/>
+        </p:nvSpPr>
+        <p:spPr>
+          <a:xfrm>
+            <a:off x="1034923" y="239305"/>
+            <a:ext cx="627095" cy="369332"/>
+          </a:xfrm>
+          <a:prstGeom prst="rect">
+            <a:avLst/>
+          </a:prstGeom>
+          <a:noFill/>
+        </p:spPr>
+        <p:txBody>
+          <a:bodyPr wrap="none" rtlCol="0">
+            <a:spAutoFit/>
+          </a:bodyPr>
+          <a:lstStyle/>
+          <a:p>
+            <a:r>
+              <a:rPr lang="en-IE" dirty="0" smtClean="0"/>
+              <a:t>(0,0)</a:t>
+            </a:r>
+            <a:endParaRPr lang="en-IE" dirty="0"/>
+          </a:p>
+        </p:txBody>
+      </p:sp>
+      <p:sp>
+        <p:nvSpPr>
+          <p:cNvPr id="8" name="5-Point Star 7"/>
+          <p:cNvSpPr/>
+          <p:nvPr/>
+        </p:nvSpPr>
+        <p:spPr>
+          <a:xfrm>
+            <a:off x="2875538" y="1994204"/>
+            <a:ext cx="288032" cy="288032"/>
+          </a:xfrm>
+          <a:prstGeom prst="star5">
+            <a:avLst/>
+          </a:prstGeom>
+          <a:solidFill>
+            <a:srgbClr val="FFFF00"/>
+          </a:solidFill>
+        </p:spPr>
+        <p:style>
+          <a:lnRef idx="2">
+            <a:schemeClr val="accent1">
+              <a:shade val="50000"/>
+            </a:schemeClr>
+          </a:lnRef>
+          <a:fillRef idx="1">
+            <a:schemeClr val="accent1"/>
+          </a:fillRef>
+          <a:effectRef idx="0">
+            <a:schemeClr val="accent1"/>
+          </a:effectRef>
+          <a:fontRef idx="minor">
+            <a:schemeClr val="lt1"/>
+          </a:fontRef>
+        </p:style>
+        <p:txBody>
+          <a:bodyPr rtlCol="0" anchor="ctr"/>
+          <a:lstStyle/>
+          <a:p>
+            <a:pPr algn="ctr"/>
+            <a:endParaRPr lang="en-IE"/>
+          </a:p>
+        </p:txBody>
+      </p:sp>
+      <p:sp>
+        <p:nvSpPr>
+          <p:cNvPr id="9" name="5-Point Star 8"/>
+          <p:cNvSpPr/>
+          <p:nvPr/>
+        </p:nvSpPr>
+        <p:spPr>
+          <a:xfrm>
+            <a:off x="2947546" y="2606907"/>
+            <a:ext cx="144016" cy="144016"/>
+          </a:xfrm>
+          <a:prstGeom prst="star5">
+            <a:avLst/>
+          </a:prstGeom>
+          <a:solidFill>
+            <a:srgbClr val="FF0000"/>
+          </a:solidFill>
+        </p:spPr>
+        <p:style>
+          <a:lnRef idx="2">
+            <a:schemeClr val="accent1">
+              <a:shade val="50000"/>
+            </a:schemeClr>
+          </a:lnRef>
+          <a:fillRef idx="1">
+            <a:schemeClr val="accent1"/>
+          </a:fillRef>
+          <a:effectRef idx="0">
+            <a:schemeClr val="accent1"/>
+          </a:effectRef>
+          <a:fontRef idx="minor">
+            <a:schemeClr val="lt1"/>
+          </a:fontRef>
+        </p:style>
+        <p:txBody>
+          <a:bodyPr rtlCol="0" anchor="ctr"/>
+          <a:lstStyle/>
+          <a:p>
+            <a:pPr algn="ctr"/>
+            <a:endParaRPr lang="en-IE"/>
+          </a:p>
+        </p:txBody>
+      </p:sp>
+    </p:spTree>
+    <p:extLst>
+      <p:ext uri="{BB962C8B-B14F-4D97-AF65-F5344CB8AC3E}">
+        <p14:creationId xmlns:p14="http://schemas.microsoft.com/office/powerpoint/2010/main" val="2743713183"/>
+      </p:ext>
+    </p:extLst>
+  </p:cSld>
+  <p:clrMapOvr>
+    <a:masterClrMapping/>
+  </p:clrMapOvr>
+</p:sld>
+</file>
+
+<file path=ppt/slides/slide7.xml><?xml version="1.0" encoding="utf-8"?>
+<p:sld xmlns:a="http://schemas.openxmlformats.org/drawingml/2006/main" xmlns:r="http://schemas.openxmlformats.org/officeDocument/2006/relationships" xmlns:p="http://schemas.openxmlformats.org/presentationml/2006/main">
+  <p:cSld>
+    <p:spTree>
+      <p:nvGrpSpPr>
+        <p:cNvPr id="1" name=""/>
+        <p:cNvGrpSpPr/>
+        <p:nvPr/>
+      </p:nvGrpSpPr>
+      <p:grpSpPr>
+        <a:xfrm>
+          <a:off x="0" y="0"/>
+          <a:ext cx="0" cy="0"/>
+          <a:chOff x="0" y="0"/>
+          <a:chExt cx="0" cy="0"/>
+        </a:xfrm>
+      </p:grpSpPr>
+      <p:sp>
+        <p:nvSpPr>
+          <p:cNvPr id="3" name="Title 2"/>
+          <p:cNvSpPr>
+            <a:spLocks noGrp="1"/>
+          </p:cNvSpPr>
+          <p:nvPr>
+            <p:ph type="title"/>
+          </p:nvPr>
+        </p:nvSpPr>
+        <p:spPr/>
+        <p:txBody>
+          <a:bodyPr/>
+          <a:lstStyle/>
+          <a:p>
+            <a:r>
+              <a:rPr lang="en-IE" dirty="0" smtClean="0"/>
+              <a:t>3</a:t>
+            </a:r>
+            <a:r>
+              <a:rPr lang="en-IE" baseline="30000" dirty="0" smtClean="0"/>
+              <a:t>rd</a:t>
+            </a:r>
+            <a:r>
+              <a:rPr lang="en-IE" dirty="0" smtClean="0"/>
+              <a:t>  Scaling</a:t>
+            </a:r>
+            <a:endParaRPr lang="en-IE" dirty="0"/>
+          </a:p>
+        </p:txBody>
+      </p:sp>
+      <p:sp>
+        <p:nvSpPr>
+          <p:cNvPr id="4" name="Rectangle 3"/>
+          <p:cNvSpPr/>
+          <p:nvPr/>
+        </p:nvSpPr>
+        <p:spPr>
+          <a:xfrm>
+            <a:off x="1907704" y="908720"/>
+            <a:ext cx="4350142" cy="3153853"/>
+          </a:xfrm>
+          <a:prstGeom prst="rect">
+            <a:avLst/>
+          </a:prstGeom>
+          <a:solidFill>
+            <a:srgbClr val="00B0F0"/>
+          </a:solidFill>
+        </p:spPr>
+        <p:style>
+          <a:lnRef idx="2">
+            <a:schemeClr val="accent1">
+              <a:shade val="50000"/>
+            </a:schemeClr>
+          </a:lnRef>
+          <a:fillRef idx="1">
+            <a:schemeClr val="accent1"/>
+          </a:fillRef>
+          <a:effectRef idx="0">
+            <a:schemeClr val="accent1"/>
+          </a:effectRef>
+          <a:fontRef idx="minor">
+            <a:schemeClr val="lt1"/>
+          </a:fontRef>
+        </p:style>
+        <p:txBody>
+          <a:bodyPr rtlCol="0" anchor="ctr"/>
+          <a:lstStyle/>
+          <a:p>
+            <a:pPr algn="ctr"/>
+            <a:r>
+              <a:rPr lang="en-IE" dirty="0" smtClean="0"/>
+              <a:t>World</a:t>
+            </a:r>
+            <a:endParaRPr lang="en-IE" dirty="0"/>
+          </a:p>
+        </p:txBody>
+      </p:sp>
+      <p:sp>
+        <p:nvSpPr>
+          <p:cNvPr id="5" name="Rectangle 4"/>
+          <p:cNvSpPr/>
+          <p:nvPr/>
+        </p:nvSpPr>
+        <p:spPr>
+          <a:xfrm>
+            <a:off x="2861474" y="1999568"/>
+            <a:ext cx="2160240" cy="1368152"/>
+          </a:xfrm>
+          <a:prstGeom prst="rect">
+            <a:avLst/>
+          </a:prstGeom>
+          <a:solidFill>
+            <a:schemeClr val="accent1">
+              <a:alpha val="31000"/>
+            </a:schemeClr>
+          </a:solidFill>
+        </p:spPr>
+        <p:style>
+          <a:lnRef idx="2">
+            <a:schemeClr val="accent1">
+              <a:shade val="50000"/>
+            </a:schemeClr>
+          </a:lnRef>
+          <a:fillRef idx="1">
+            <a:schemeClr val="accent1"/>
+          </a:fillRef>
+          <a:effectRef idx="0">
+            <a:schemeClr val="accent1"/>
+          </a:effectRef>
+          <a:fontRef idx="minor">
+            <a:schemeClr val="lt1"/>
+          </a:fontRef>
+        </p:style>
+        <p:txBody>
+          <a:bodyPr rtlCol="0" anchor="ctr"/>
+          <a:lstStyle/>
+          <a:p>
+            <a:pPr algn="ctr"/>
+            <a:r>
+              <a:rPr lang="en-IE" dirty="0" smtClean="0"/>
+              <a:t>Screen</a:t>
+            </a:r>
+            <a:endParaRPr lang="en-IE" dirty="0"/>
+          </a:p>
+        </p:txBody>
+      </p:sp>
+      <p:sp>
+        <p:nvSpPr>
+          <p:cNvPr id="6" name="TextBox 5"/>
+          <p:cNvSpPr txBox="1"/>
+          <p:nvPr/>
+        </p:nvSpPr>
+        <p:spPr>
+          <a:xfrm>
+            <a:off x="2673012" y="1711536"/>
+            <a:ext cx="627095" cy="369332"/>
+          </a:xfrm>
+          <a:prstGeom prst="rect">
+            <a:avLst/>
+          </a:prstGeom>
+          <a:noFill/>
+        </p:spPr>
+        <p:txBody>
+          <a:bodyPr wrap="none" rtlCol="0">
+            <a:spAutoFit/>
+          </a:bodyPr>
+          <a:lstStyle/>
+          <a:p>
+            <a:r>
+              <a:rPr lang="en-IE" dirty="0" smtClean="0"/>
+              <a:t>(0,0)</a:t>
+            </a:r>
+            <a:endParaRPr lang="en-IE" dirty="0"/>
+          </a:p>
+        </p:txBody>
+      </p:sp>
+      <p:sp>
+        <p:nvSpPr>
+          <p:cNvPr id="7" name="TextBox 6"/>
+          <p:cNvSpPr txBox="1"/>
+          <p:nvPr/>
+        </p:nvSpPr>
+        <p:spPr>
+          <a:xfrm>
+            <a:off x="1907704" y="516226"/>
+            <a:ext cx="627095" cy="369332"/>
+          </a:xfrm>
+          <a:prstGeom prst="rect">
+            <a:avLst/>
+          </a:prstGeom>
+          <a:noFill/>
+        </p:spPr>
+        <p:txBody>
+          <a:bodyPr wrap="none" rtlCol="0">
+            <a:spAutoFit/>
+          </a:bodyPr>
+          <a:lstStyle/>
+          <a:p>
+            <a:r>
+              <a:rPr lang="en-IE" dirty="0" smtClean="0"/>
+              <a:t>(0,0)</a:t>
+            </a:r>
+            <a:endParaRPr lang="en-IE" dirty="0"/>
+          </a:p>
+        </p:txBody>
+      </p:sp>
+      <p:sp>
+        <p:nvSpPr>
+          <p:cNvPr id="8" name="5-Point Star 7"/>
+          <p:cNvSpPr/>
+          <p:nvPr/>
+        </p:nvSpPr>
+        <p:spPr>
+          <a:xfrm>
+            <a:off x="2875538" y="1994204"/>
+            <a:ext cx="217507" cy="217507"/>
+          </a:xfrm>
+          <a:prstGeom prst="star5">
+            <a:avLst/>
+          </a:prstGeom>
+          <a:solidFill>
+            <a:srgbClr val="FFFF00"/>
+          </a:solidFill>
+        </p:spPr>
+        <p:style>
+          <a:lnRef idx="2">
+            <a:schemeClr val="accent1">
+              <a:shade val="50000"/>
+            </a:schemeClr>
+          </a:lnRef>
+          <a:fillRef idx="1">
+            <a:schemeClr val="accent1"/>
+          </a:fillRef>
+          <a:effectRef idx="0">
+            <a:schemeClr val="accent1"/>
+          </a:effectRef>
+          <a:fontRef idx="minor">
+            <a:schemeClr val="lt1"/>
+          </a:fontRef>
+        </p:style>
+        <p:txBody>
+          <a:bodyPr rtlCol="0" anchor="ctr"/>
+          <a:lstStyle/>
+          <a:p>
+            <a:pPr algn="ctr"/>
+            <a:endParaRPr lang="en-IE"/>
+          </a:p>
+        </p:txBody>
+      </p:sp>
+      <p:sp>
+        <p:nvSpPr>
+          <p:cNvPr id="9" name="5-Point Star 8"/>
+          <p:cNvSpPr/>
+          <p:nvPr/>
+        </p:nvSpPr>
+        <p:spPr>
+          <a:xfrm>
+            <a:off x="2914551" y="2492896"/>
+            <a:ext cx="144016" cy="144016"/>
+          </a:xfrm>
+          <a:prstGeom prst="star5">
+            <a:avLst/>
+          </a:prstGeom>
+          <a:solidFill>
+            <a:srgbClr val="FF0000"/>
+          </a:solidFill>
+        </p:spPr>
+        <p:style>
+          <a:lnRef idx="2">
+            <a:schemeClr val="accent1">
+              <a:shade val="50000"/>
+            </a:schemeClr>
+          </a:lnRef>
+          <a:fillRef idx="1">
+            <a:schemeClr val="accent1"/>
+          </a:fillRef>
+          <a:effectRef idx="0">
+            <a:schemeClr val="accent1"/>
+          </a:effectRef>
+          <a:fontRef idx="minor">
+            <a:schemeClr val="lt1"/>
+          </a:fontRef>
+        </p:style>
+        <p:txBody>
+          <a:bodyPr rtlCol="0" anchor="ctr"/>
+          <a:lstStyle/>
+          <a:p>
+            <a:pPr algn="ctr"/>
+            <a:endParaRPr lang="en-IE"/>
+          </a:p>
+        </p:txBody>
+      </p:sp>
+    </p:spTree>
+    <p:extLst>
+      <p:ext uri="{BB962C8B-B14F-4D97-AF65-F5344CB8AC3E}">
+        <p14:creationId xmlns:p14="http://schemas.microsoft.com/office/powerpoint/2010/main" val="1070675470"/>
+      </p:ext>
+    </p:extLst>
+  </p:cSld>
+  <p:clrMapOvr>
+    <a:masterClrMapping/>
+  </p:clrMapOvr>
+</p:sld>
+</file>
+
+<file path=ppt/slides/slide8.xml><?xml version="1.0" encoding="utf-8"?>
+<p:sld xmlns:a="http://schemas.openxmlformats.org/drawingml/2006/main" xmlns:r="http://schemas.openxmlformats.org/officeDocument/2006/relationships" xmlns:p="http://schemas.openxmlformats.org/presentationml/2006/main">
+  <p:cSld>
+    <p:spTree>
+      <p:nvGrpSpPr>
+        <p:cNvPr id="1" name=""/>
+        <p:cNvGrpSpPr/>
+        <p:nvPr/>
+      </p:nvGrpSpPr>
+      <p:grpSpPr>
+        <a:xfrm>
+          <a:off x="0" y="0"/>
+          <a:ext cx="0" cy="0"/>
+          <a:chOff x="0" y="0"/>
+          <a:chExt cx="0" cy="0"/>
+        </a:xfrm>
+      </p:grpSpPr>
+      <p:sp>
+        <p:nvSpPr>
+          <p:cNvPr id="3" name="Title 2"/>
+          <p:cNvSpPr>
+            <a:spLocks noGrp="1"/>
+          </p:cNvSpPr>
+          <p:nvPr>
+            <p:ph type="title"/>
+          </p:nvPr>
+        </p:nvSpPr>
+        <p:spPr/>
+        <p:txBody>
+          <a:bodyPr/>
+          <a:lstStyle/>
+          <a:p>
+            <a:r>
+              <a:rPr lang="en-IE" dirty="0" smtClean="0"/>
+              <a:t>4</a:t>
+            </a:r>
+            <a:r>
+              <a:rPr lang="en-IE" baseline="30000" dirty="0" smtClean="0"/>
+              <a:t>th</a:t>
+            </a:r>
+            <a:r>
+              <a:rPr lang="en-IE" dirty="0" smtClean="0"/>
+              <a:t> Translation</a:t>
+            </a:r>
+            <a:endParaRPr lang="en-IE" dirty="0"/>
+          </a:p>
+        </p:txBody>
+      </p:sp>
+      <p:sp>
+        <p:nvSpPr>
+          <p:cNvPr id="4" name="Rectangle 3"/>
+          <p:cNvSpPr/>
+          <p:nvPr/>
+        </p:nvSpPr>
+        <p:spPr>
+          <a:xfrm>
+            <a:off x="2814146" y="1499283"/>
+            <a:ext cx="4350142" cy="3153853"/>
+          </a:xfrm>
+          <a:prstGeom prst="rect">
+            <a:avLst/>
+          </a:prstGeom>
+          <a:solidFill>
+            <a:srgbClr val="00B0F0"/>
+          </a:solidFill>
+        </p:spPr>
+        <p:style>
+          <a:lnRef idx="2">
+            <a:schemeClr val="accent1">
+              <a:shade val="50000"/>
+            </a:schemeClr>
+          </a:lnRef>
+          <a:fillRef idx="1">
+            <a:schemeClr val="accent1"/>
+          </a:fillRef>
+          <a:effectRef idx="0">
+            <a:schemeClr val="accent1"/>
+          </a:effectRef>
+          <a:fontRef idx="minor">
+            <a:schemeClr val="lt1"/>
+          </a:fontRef>
+        </p:style>
+        <p:txBody>
+          <a:bodyPr rtlCol="0" anchor="ctr"/>
+          <a:lstStyle/>
+          <a:p>
+            <a:pPr algn="ctr"/>
+            <a:r>
+              <a:rPr lang="en-IE" dirty="0" smtClean="0"/>
+              <a:t>World</a:t>
+            </a:r>
+            <a:endParaRPr lang="en-IE" dirty="0"/>
+          </a:p>
+        </p:txBody>
+      </p:sp>
+      <p:sp>
+        <p:nvSpPr>
+          <p:cNvPr id="5" name="Rectangle 4"/>
+          <p:cNvSpPr/>
+          <p:nvPr/>
+        </p:nvSpPr>
+        <p:spPr>
+          <a:xfrm>
+            <a:off x="2861474" y="1999568"/>
+            <a:ext cx="2160240" cy="1368152"/>
+          </a:xfrm>
+          <a:prstGeom prst="rect">
+            <a:avLst/>
+          </a:prstGeom>
+          <a:solidFill>
+            <a:schemeClr val="accent1">
+              <a:alpha val="31000"/>
+            </a:schemeClr>
+          </a:solidFill>
+        </p:spPr>
+        <p:style>
+          <a:lnRef idx="2">
+            <a:schemeClr val="accent1">
+              <a:shade val="50000"/>
+            </a:schemeClr>
+          </a:lnRef>
+          <a:fillRef idx="1">
+            <a:schemeClr val="accent1"/>
+          </a:fillRef>
+          <a:effectRef idx="0">
+            <a:schemeClr val="accent1"/>
+          </a:effectRef>
+          <a:fontRef idx="minor">
+            <a:schemeClr val="lt1"/>
+          </a:fontRef>
+        </p:style>
+        <p:txBody>
+          <a:bodyPr rtlCol="0" anchor="ctr"/>
+          <a:lstStyle/>
+          <a:p>
+            <a:pPr algn="ctr"/>
+            <a:r>
+              <a:rPr lang="en-IE" dirty="0" smtClean="0"/>
+              <a:t>Screen</a:t>
+            </a:r>
+            <a:endParaRPr lang="en-IE" dirty="0"/>
+          </a:p>
+        </p:txBody>
+      </p:sp>
+      <p:sp>
+        <p:nvSpPr>
+          <p:cNvPr id="6" name="TextBox 5"/>
+          <p:cNvSpPr txBox="1"/>
+          <p:nvPr/>
+        </p:nvSpPr>
+        <p:spPr>
+          <a:xfrm>
+            <a:off x="2673012" y="1711536"/>
+            <a:ext cx="627095" cy="369332"/>
+          </a:xfrm>
+          <a:prstGeom prst="rect">
+            <a:avLst/>
+          </a:prstGeom>
+          <a:noFill/>
+        </p:spPr>
+        <p:txBody>
+          <a:bodyPr wrap="none" rtlCol="0">
+            <a:spAutoFit/>
+          </a:bodyPr>
+          <a:lstStyle/>
+          <a:p>
+            <a:r>
+              <a:rPr lang="en-IE" dirty="0" smtClean="0"/>
+              <a:t>(0,0)</a:t>
+            </a:r>
+            <a:endParaRPr lang="en-IE" dirty="0"/>
+          </a:p>
+        </p:txBody>
+      </p:sp>
+      <p:sp>
+        <p:nvSpPr>
+          <p:cNvPr id="7" name="TextBox 6"/>
+          <p:cNvSpPr txBox="1"/>
+          <p:nvPr/>
+        </p:nvSpPr>
+        <p:spPr>
+          <a:xfrm>
+            <a:off x="2814146" y="980728"/>
+            <a:ext cx="627095" cy="369332"/>
+          </a:xfrm>
+          <a:prstGeom prst="rect">
+            <a:avLst/>
+          </a:prstGeom>
+          <a:noFill/>
+        </p:spPr>
+        <p:txBody>
+          <a:bodyPr wrap="none" rtlCol="0">
+            <a:spAutoFit/>
+          </a:bodyPr>
+          <a:lstStyle/>
+          <a:p>
+            <a:r>
+              <a:rPr lang="en-IE" dirty="0" smtClean="0"/>
+              <a:t>(0,0)</a:t>
+            </a:r>
+            <a:endParaRPr lang="en-IE" dirty="0"/>
+          </a:p>
+        </p:txBody>
+      </p:sp>
+      <p:sp>
+        <p:nvSpPr>
+          <p:cNvPr id="8" name="5-Point Star 7"/>
+          <p:cNvSpPr/>
+          <p:nvPr/>
+        </p:nvSpPr>
+        <p:spPr>
+          <a:xfrm>
+            <a:off x="3781980" y="2584767"/>
+            <a:ext cx="217507" cy="217507"/>
+          </a:xfrm>
+          <a:prstGeom prst="star5">
+            <a:avLst/>
+          </a:prstGeom>
+          <a:solidFill>
+            <a:srgbClr val="FFFF00"/>
+          </a:solidFill>
+        </p:spPr>
+        <p:style>
+          <a:lnRef idx="2">
+            <a:schemeClr val="accent1">
+              <a:shade val="50000"/>
+            </a:schemeClr>
+          </a:lnRef>
+          <a:fillRef idx="1">
+            <a:schemeClr val="accent1"/>
+          </a:fillRef>
+          <a:effectRef idx="0">
+            <a:schemeClr val="accent1"/>
+          </a:effectRef>
+          <a:fontRef idx="minor">
+            <a:schemeClr val="lt1"/>
+          </a:fontRef>
+        </p:style>
+        <p:txBody>
+          <a:bodyPr rtlCol="0" anchor="ctr"/>
+          <a:lstStyle/>
+          <a:p>
+            <a:pPr algn="ctr"/>
+            <a:endParaRPr lang="en-IE"/>
+          </a:p>
+        </p:txBody>
+      </p:sp>
+      <p:sp>
+        <p:nvSpPr>
+          <p:cNvPr id="9" name="5-Point Star 8"/>
+          <p:cNvSpPr/>
+          <p:nvPr/>
+        </p:nvSpPr>
+        <p:spPr>
+          <a:xfrm>
+            <a:off x="3818725" y="3004201"/>
+            <a:ext cx="144016" cy="144016"/>
+          </a:xfrm>
+          <a:prstGeom prst="star5">
+            <a:avLst/>
+          </a:prstGeom>
+          <a:solidFill>
+            <a:srgbClr val="FF0000"/>
+          </a:solidFill>
+        </p:spPr>
+        <p:style>
+          <a:lnRef idx="2">
+            <a:schemeClr val="accent1">
+              <a:shade val="50000"/>
+            </a:schemeClr>
+          </a:lnRef>
+          <a:fillRef idx="1">
+            <a:schemeClr val="accent1"/>
+          </a:fillRef>
+          <a:effectRef idx="0">
+            <a:schemeClr val="accent1"/>
+          </a:effectRef>
+          <a:fontRef idx="minor">
+            <a:schemeClr val="lt1"/>
+          </a:fontRef>
+        </p:style>
+        <p:txBody>
+          <a:bodyPr rtlCol="0" anchor="ctr"/>
+          <a:lstStyle/>
+          <a:p>
+            <a:pPr algn="ctr"/>
+            <a:endParaRPr lang="en-IE"/>
+          </a:p>
+        </p:txBody>
+      </p:sp>
+    </p:spTree>
+    <p:extLst>
+      <p:ext uri="{BB962C8B-B14F-4D97-AF65-F5344CB8AC3E}">
+        <p14:creationId xmlns:p14="http://schemas.microsoft.com/office/powerpoint/2010/main" val="2697272751"/>
       </p:ext>
     </p:extLst>
   </p:cSld>
